--- a/Stage/DEVASTATED CITY.pptx
+++ b/Stage/DEVASTATED CITY.pptx
@@ -9,6 +9,9 @@
     <p:sldId id="257" r:id="rId3"/>
     <p:sldId id="259" r:id="rId4"/>
     <p:sldId id="260" r:id="rId5"/>
+    <p:sldId id="261" r:id="rId6"/>
+    <p:sldId id="262" r:id="rId7"/>
+    <p:sldId id="263" r:id="rId8"/>
   </p:sldIdLst>
   <p:sldSz cx="12192000" cy="6858000"/>
   <p:notesSz cx="6858000" cy="9144000"/>
@@ -107,6 +110,11 @@
       </a:defRPr>
     </a:lvl9pPr>
   </p:defaultTextStyle>
+  <p:extLst>
+    <p:ext uri="{EFAFB233-063F-42B5-8137-9DF3F51BA10A}">
+      <p15:sldGuideLst xmlns:p15="http://schemas.microsoft.com/office/powerpoint/2012/main"/>
+    </p:ext>
+  </p:extLst>
 </p:presentation>
 </file>
 
@@ -295,7 +303,7 @@
           <a:p>
             <a:fld id="{E52BD0EE-427E-4185-BFCC-C108616D70F6}" type="datetimeFigureOut">
               <a:rPr kumimoji="1" lang="ja-JP" altLang="en-US" smtClean="0"/>
-              <a:t>2024/11/27</a:t>
+              <a:t>2025/2/3</a:t>
             </a:fld>
             <a:endParaRPr kumimoji="1" lang="ja-JP" altLang="en-US"/>
           </a:p>
@@ -593,7 +601,7 @@
           <a:p>
             <a:fld id="{E52BD0EE-427E-4185-BFCC-C108616D70F6}" type="datetimeFigureOut">
               <a:rPr kumimoji="1" lang="ja-JP" altLang="en-US" smtClean="0"/>
-              <a:t>2024/11/27</a:t>
+              <a:t>2025/2/3</a:t>
             </a:fld>
             <a:endParaRPr kumimoji="1" lang="ja-JP" altLang="en-US"/>
           </a:p>
@@ -785,7 +793,7 @@
           <a:p>
             <a:fld id="{E52BD0EE-427E-4185-BFCC-C108616D70F6}" type="datetimeFigureOut">
               <a:rPr kumimoji="1" lang="ja-JP" altLang="en-US" smtClean="0"/>
-              <a:t>2024/11/27</a:t>
+              <a:t>2025/2/3</a:t>
             </a:fld>
             <a:endParaRPr kumimoji="1" lang="ja-JP" altLang="en-US"/>
           </a:p>
@@ -1046,7 +1054,7 @@
           <a:p>
             <a:fld id="{E52BD0EE-427E-4185-BFCC-C108616D70F6}" type="datetimeFigureOut">
               <a:rPr kumimoji="1" lang="ja-JP" altLang="en-US" smtClean="0"/>
-              <a:t>2024/11/27</a:t>
+              <a:t>2025/2/3</a:t>
             </a:fld>
             <a:endParaRPr kumimoji="1" lang="ja-JP" altLang="en-US"/>
           </a:p>
@@ -1470,7 +1478,7 @@
           <a:p>
             <a:fld id="{E52BD0EE-427E-4185-BFCC-C108616D70F6}" type="datetimeFigureOut">
               <a:rPr kumimoji="1" lang="ja-JP" altLang="en-US" smtClean="0"/>
-              <a:t>2024/11/27</a:t>
+              <a:t>2025/2/3</a:t>
             </a:fld>
             <a:endParaRPr kumimoji="1" lang="ja-JP" altLang="en-US"/>
           </a:p>
@@ -2007,7 +2015,7 @@
           <a:p>
             <a:fld id="{E52BD0EE-427E-4185-BFCC-C108616D70F6}" type="datetimeFigureOut">
               <a:rPr kumimoji="1" lang="ja-JP" altLang="en-US" smtClean="0"/>
-              <a:t>2024/11/27</a:t>
+              <a:t>2025/2/3</a:t>
             </a:fld>
             <a:endParaRPr kumimoji="1" lang="ja-JP" altLang="en-US"/>
           </a:p>
@@ -2871,7 +2879,7 @@
           <a:p>
             <a:fld id="{E52BD0EE-427E-4185-BFCC-C108616D70F6}" type="datetimeFigureOut">
               <a:rPr kumimoji="1" lang="ja-JP" altLang="en-US" smtClean="0"/>
-              <a:t>2024/11/27</a:t>
+              <a:t>2025/2/3</a:t>
             </a:fld>
             <a:endParaRPr kumimoji="1" lang="ja-JP" altLang="en-US"/>
           </a:p>
@@ -3073,7 +3081,7 @@
           <a:p>
             <a:fld id="{E52BD0EE-427E-4185-BFCC-C108616D70F6}" type="datetimeFigureOut">
               <a:rPr kumimoji="1" lang="ja-JP" altLang="en-US" smtClean="0"/>
-              <a:t>2024/11/27</a:t>
+              <a:t>2025/2/3</a:t>
             </a:fld>
             <a:endParaRPr kumimoji="1" lang="ja-JP" altLang="en-US"/>
           </a:p>
@@ -3289,7 +3297,7 @@
           <a:p>
             <a:fld id="{E52BD0EE-427E-4185-BFCC-C108616D70F6}" type="datetimeFigureOut">
               <a:rPr kumimoji="1" lang="ja-JP" altLang="en-US" smtClean="0"/>
-              <a:t>2024/11/27</a:t>
+              <a:t>2025/2/3</a:t>
             </a:fld>
             <a:endParaRPr kumimoji="1" lang="ja-JP" altLang="en-US"/>
           </a:p>
@@ -3491,7 +3499,7 @@
           <a:p>
             <a:fld id="{E52BD0EE-427E-4185-BFCC-C108616D70F6}" type="datetimeFigureOut">
               <a:rPr kumimoji="1" lang="ja-JP" altLang="en-US" smtClean="0"/>
-              <a:t>2024/11/27</a:t>
+              <a:t>2025/2/3</a:t>
             </a:fld>
             <a:endParaRPr kumimoji="1" lang="ja-JP" altLang="en-US"/>
           </a:p>
@@ -3735,7 +3743,7 @@
           <a:p>
             <a:fld id="{E52BD0EE-427E-4185-BFCC-C108616D70F6}" type="datetimeFigureOut">
               <a:rPr kumimoji="1" lang="ja-JP" altLang="en-US" smtClean="0"/>
-              <a:t>2024/11/27</a:t>
+              <a:t>2025/2/3</a:t>
             </a:fld>
             <a:endParaRPr kumimoji="1" lang="ja-JP" altLang="en-US"/>
           </a:p>
@@ -4035,7 +4043,7 @@
           <a:p>
             <a:fld id="{E52BD0EE-427E-4185-BFCC-C108616D70F6}" type="datetimeFigureOut">
               <a:rPr kumimoji="1" lang="ja-JP" altLang="en-US" smtClean="0"/>
-              <a:t>2024/11/27</a:t>
+              <a:t>2025/2/3</a:t>
             </a:fld>
             <a:endParaRPr kumimoji="1" lang="ja-JP" altLang="en-US"/>
           </a:p>
@@ -4565,7 +4573,7 @@
           <a:p>
             <a:fld id="{E52BD0EE-427E-4185-BFCC-C108616D70F6}" type="datetimeFigureOut">
               <a:rPr kumimoji="1" lang="ja-JP" altLang="en-US" smtClean="0"/>
-              <a:t>2024/11/27</a:t>
+              <a:t>2025/2/3</a:t>
             </a:fld>
             <a:endParaRPr kumimoji="1" lang="ja-JP" altLang="en-US"/>
           </a:p>
@@ -4683,7 +4691,7 @@
           <a:p>
             <a:fld id="{E52BD0EE-427E-4185-BFCC-C108616D70F6}" type="datetimeFigureOut">
               <a:rPr kumimoji="1" lang="ja-JP" altLang="en-US" smtClean="0"/>
-              <a:t>2024/11/27</a:t>
+              <a:t>2025/2/3</a:t>
             </a:fld>
             <a:endParaRPr kumimoji="1" lang="ja-JP" altLang="en-US"/>
           </a:p>
@@ -4778,7 +4786,7 @@
           <a:p>
             <a:fld id="{E52BD0EE-427E-4185-BFCC-C108616D70F6}" type="datetimeFigureOut">
               <a:rPr kumimoji="1" lang="ja-JP" altLang="en-US" smtClean="0"/>
-              <a:t>2024/11/27</a:t>
+              <a:t>2025/2/3</a:t>
             </a:fld>
             <a:endParaRPr kumimoji="1" lang="ja-JP" altLang="en-US"/>
           </a:p>
@@ -5065,7 +5073,7 @@
           <a:p>
             <a:fld id="{E52BD0EE-427E-4185-BFCC-C108616D70F6}" type="datetimeFigureOut">
               <a:rPr kumimoji="1" lang="ja-JP" altLang="en-US" smtClean="0"/>
-              <a:t>2024/11/27</a:t>
+              <a:t>2025/2/3</a:t>
             </a:fld>
             <a:endParaRPr kumimoji="1" lang="ja-JP" altLang="en-US"/>
           </a:p>
@@ -5365,7 +5373,7 @@
           <a:p>
             <a:fld id="{E52BD0EE-427E-4185-BFCC-C108616D70F6}" type="datetimeFigureOut">
               <a:rPr kumimoji="1" lang="ja-JP" altLang="en-US" smtClean="0"/>
-              <a:t>2024/11/27</a:t>
+              <a:t>2025/2/3</a:t>
             </a:fld>
             <a:endParaRPr kumimoji="1" lang="ja-JP" altLang="en-US"/>
           </a:p>
@@ -5631,7 +5639,7 @@
           <a:p>
             <a:fld id="{E52BD0EE-427E-4185-BFCC-C108616D70F6}" type="datetimeFigureOut">
               <a:rPr kumimoji="1" lang="ja-JP" altLang="en-US" smtClean="0"/>
-              <a:t>2024/11/27</a:t>
+              <a:t>2025/2/3</a:t>
             </a:fld>
             <a:endParaRPr kumimoji="1" lang="ja-JP" altLang="en-US"/>
           </a:p>
@@ -7848,6 +7856,615 @@
 </p:sld>
 </file>
 
+<file path=ppt/slides/slide5.xml><?xml version="1.0" encoding="utf-8"?>
+<p:sld xmlns:a="http://schemas.openxmlformats.org/drawingml/2006/main" xmlns:r="http://schemas.openxmlformats.org/officeDocument/2006/relationships" xmlns:p="http://schemas.openxmlformats.org/presentationml/2006/main">
+  <p:cSld>
+    <p:bg>
+      <p:bgPr>
+        <a:solidFill>
+          <a:srgbClr val="8E0404"/>
+        </a:solidFill>
+        <a:effectLst/>
+      </p:bgPr>
+    </p:bg>
+    <p:spTree>
+      <p:nvGrpSpPr>
+        <p:cNvPr id="1" name=""/>
+        <p:cNvGrpSpPr/>
+        <p:nvPr/>
+      </p:nvGrpSpPr>
+      <p:grpSpPr>
+        <a:xfrm>
+          <a:off x="0" y="0"/>
+          <a:ext cx="0" cy="0"/>
+          <a:chOff x="0" y="0"/>
+          <a:chExt cx="0" cy="0"/>
+        </a:xfrm>
+      </p:grpSpPr>
+      <p:pic>
+        <p:nvPicPr>
+          <p:cNvPr id="8" name="Picture 2" descr="紙が破れたようなイラスト | 無料イラスト素材｜素材ラボ">
+            <a:extLst>
+              <a:ext uri="{FF2B5EF4-FFF2-40B4-BE49-F238E27FC236}">
+                <a16:creationId xmlns:a16="http://schemas.microsoft.com/office/drawing/2014/main" id="{92F8D224-98DB-4CA9-819A-17AEE5CB9A22}"/>
+              </a:ext>
+            </a:extLst>
+          </p:cNvPr>
+          <p:cNvPicPr>
+            <a:picLocks noGrp="1" noRot="1" noChangeAspect="1" noMove="1" noResize="1" noEditPoints="1" noAdjustHandles="1" noChangeArrowheads="1" noChangeShapeType="1" noCrop="1"/>
+          </p:cNvPicPr>
+          <p:nvPr/>
+        </p:nvPicPr>
+        <p:blipFill>
+          <a:blip r:embed="rId2">
+            <a:extLst>
+              <a:ext uri="{28A0092B-C50C-407E-A947-70E740481C1C}">
+                <a14:useLocalDpi xmlns:a14="http://schemas.microsoft.com/office/drawing/2010/main" val="0"/>
+              </a:ext>
+            </a:extLst>
+          </a:blip>
+          <a:srcRect/>
+          <a:stretch>
+            <a:fillRect/>
+          </a:stretch>
+        </p:blipFill>
+        <p:spPr bwMode="auto">
+          <a:xfrm>
+            <a:off x="0" y="0"/>
+            <a:ext cx="12192000" cy="6858000"/>
+          </a:xfrm>
+          <a:prstGeom prst="rect">
+            <a:avLst/>
+          </a:prstGeom>
+          <a:noFill/>
+          <a:extLst>
+            <a:ext uri="{909E8E84-426E-40DD-AFC4-6F175D3DCCD1}">
+              <a14:hiddenFill xmlns:a14="http://schemas.microsoft.com/office/drawing/2010/main">
+                <a:solidFill>
+                  <a:srgbClr val="FFFFFF"/>
+                </a:solidFill>
+              </a14:hiddenFill>
+            </a:ext>
+          </a:extLst>
+        </p:spPr>
+      </p:pic>
+      <p:sp>
+        <p:nvSpPr>
+          <p:cNvPr id="3" name="字幕 2">
+            <a:extLst>
+              <a:ext uri="{FF2B5EF4-FFF2-40B4-BE49-F238E27FC236}">
+                <a16:creationId xmlns:a16="http://schemas.microsoft.com/office/drawing/2014/main" id="{75B27C3E-A30C-4116-BE17-81F16320F3C6}"/>
+              </a:ext>
+            </a:extLst>
+          </p:cNvPr>
+          <p:cNvSpPr>
+            <a:spLocks noGrp="1"/>
+          </p:cNvSpPr>
+          <p:nvPr>
+            <p:ph type="subTitle" idx="1"/>
+          </p:nvPr>
+        </p:nvSpPr>
+        <p:spPr>
+          <a:xfrm>
+            <a:off x="1370693" y="1450361"/>
+            <a:ext cx="9440034" cy="3197846"/>
+          </a:xfrm>
+        </p:spPr>
+        <p:txBody>
+          <a:bodyPr/>
+          <a:lstStyle/>
+          <a:p>
+            <a:endParaRPr kumimoji="1" lang="ja-JP" altLang="en-US" dirty="0"/>
+          </a:p>
+        </p:txBody>
+      </p:sp>
+      <p:sp>
+        <p:nvSpPr>
+          <p:cNvPr id="5" name="タイトル 1">
+            <a:extLst>
+              <a:ext uri="{FF2B5EF4-FFF2-40B4-BE49-F238E27FC236}">
+                <a16:creationId xmlns:a16="http://schemas.microsoft.com/office/drawing/2014/main" id="{D137E053-9BD1-4230-8D1E-5893550FFCB1}"/>
+              </a:ext>
+            </a:extLst>
+          </p:cNvPr>
+          <p:cNvSpPr txBox="1">
+            <a:spLocks/>
+          </p:cNvSpPr>
+          <p:nvPr/>
+        </p:nvSpPr>
+        <p:spPr>
+          <a:xfrm>
+            <a:off x="913795" y="400493"/>
+            <a:ext cx="10353762" cy="970450"/>
+          </a:xfrm>
+          <a:prstGeom prst="rect">
+            <a:avLst/>
+          </a:prstGeom>
+          <a:effectLst>
+            <a:outerShdw blurRad="25400" dir="17880000">
+              <a:srgbClr val="000000">
+                <a:alpha val="46000"/>
+              </a:srgbClr>
+            </a:outerShdw>
+          </a:effectLst>
+        </p:spPr>
+        <p:txBody>
+          <a:bodyPr vert="horz" lIns="91440" tIns="45720" rIns="91440" bIns="45720" rtlCol="0" anchor="b">
+            <a:normAutofit/>
+          </a:bodyPr>
+          <a:lstStyle>
+            <a:lvl1pPr algn="ctr" defTabSz="457200" rtl="0" eaLnBrk="1" latinLnBrk="0" hangingPunct="1">
+              <a:spcBef>
+                <a:spcPct val="0"/>
+              </a:spcBef>
+              <a:buNone/>
+              <a:defRPr kumimoji="1" sz="5400" kern="1200">
+                <a:ln>
+                  <a:solidFill>
+                    <a:schemeClr val="bg1">
+                      <a:lumMod val="75000"/>
+                      <a:lumOff val="25000"/>
+                      <a:alpha val="10000"/>
+                    </a:schemeClr>
+                  </a:solidFill>
+                </a:ln>
+                <a:solidFill>
+                  <a:schemeClr val="tx2"/>
+                </a:solidFill>
+                <a:effectLst>
+                  <a:outerShdw blurRad="9525" dist="25400" dir="14640000" algn="tl" rotWithShape="0">
+                    <a:schemeClr val="bg1">
+                      <a:alpha val="30000"/>
+                    </a:schemeClr>
+                  </a:outerShdw>
+                </a:effectLst>
+                <a:latin typeface="+mj-lt"/>
+                <a:ea typeface="+mj-ea"/>
+                <a:cs typeface="Trebuchet MS"/>
+              </a:defRPr>
+            </a:lvl1pPr>
+            <a:lvl2pPr eaLnBrk="1" hangingPunct="1">
+              <a:defRPr kumimoji="1">
+                <a:solidFill>
+                  <a:schemeClr val="tx2"/>
+                </a:solidFill>
+              </a:defRPr>
+            </a:lvl2pPr>
+            <a:lvl3pPr eaLnBrk="1" hangingPunct="1">
+              <a:defRPr kumimoji="1">
+                <a:solidFill>
+                  <a:schemeClr val="tx2"/>
+                </a:solidFill>
+              </a:defRPr>
+            </a:lvl3pPr>
+            <a:lvl4pPr eaLnBrk="1" hangingPunct="1">
+              <a:defRPr kumimoji="1">
+                <a:solidFill>
+                  <a:schemeClr val="tx2"/>
+                </a:solidFill>
+              </a:defRPr>
+            </a:lvl4pPr>
+            <a:lvl5pPr eaLnBrk="1" hangingPunct="1">
+              <a:defRPr kumimoji="1">
+                <a:solidFill>
+                  <a:schemeClr val="tx2"/>
+                </a:solidFill>
+              </a:defRPr>
+            </a:lvl5pPr>
+            <a:lvl6pPr eaLnBrk="1" hangingPunct="1">
+              <a:defRPr kumimoji="1">
+                <a:solidFill>
+                  <a:schemeClr val="tx2"/>
+                </a:solidFill>
+              </a:defRPr>
+            </a:lvl6pPr>
+            <a:lvl7pPr eaLnBrk="1" hangingPunct="1">
+              <a:defRPr kumimoji="1">
+                <a:solidFill>
+                  <a:schemeClr val="tx2"/>
+                </a:solidFill>
+              </a:defRPr>
+            </a:lvl7pPr>
+            <a:lvl8pPr eaLnBrk="1" hangingPunct="1">
+              <a:defRPr kumimoji="1">
+                <a:solidFill>
+                  <a:schemeClr val="tx2"/>
+                </a:solidFill>
+              </a:defRPr>
+            </a:lvl8pPr>
+            <a:lvl9pPr eaLnBrk="1" hangingPunct="1">
+              <a:defRPr kumimoji="1">
+                <a:solidFill>
+                  <a:schemeClr val="tx2"/>
+                </a:solidFill>
+              </a:defRPr>
+            </a:lvl9pPr>
+          </a:lstStyle>
+          <a:p>
+            <a:endParaRPr lang="ja-JP" altLang="en-US" sz="4800" dirty="0">
+              <a:ln w="63500">
+                <a:solidFill>
+                  <a:srgbClr val="AAB20A">
+                    <a:alpha val="0"/>
+                  </a:srgbClr>
+                </a:solidFill>
+              </a:ln>
+              <a:solidFill>
+                <a:schemeClr val="accent2">
+                  <a:lumMod val="50000"/>
+                </a:schemeClr>
+              </a:solidFill>
+              <a:latin typeface="HGP創英ﾌﾟﾚｾﾞﾝｽEB" panose="02020800000000000000" pitchFamily="18" charset="-128"/>
+              <a:ea typeface="HGP創英ﾌﾟﾚｾﾞﾝｽEB" panose="02020800000000000000" pitchFamily="18" charset="-128"/>
+            </a:endParaRPr>
+          </a:p>
+        </p:txBody>
+      </p:sp>
+      <p:sp>
+        <p:nvSpPr>
+          <p:cNvPr id="7" name="タイトル 6">
+            <a:extLst>
+              <a:ext uri="{FF2B5EF4-FFF2-40B4-BE49-F238E27FC236}">
+                <a16:creationId xmlns:a16="http://schemas.microsoft.com/office/drawing/2014/main" id="{B6937D72-C7D7-4A7F-AE29-ABF459D9AF8D}"/>
+              </a:ext>
+            </a:extLst>
+          </p:cNvPr>
+          <p:cNvSpPr>
+            <a:spLocks noGrp="1"/>
+          </p:cNvSpPr>
+          <p:nvPr>
+            <p:ph type="ctrTitle"/>
+          </p:nvPr>
+        </p:nvSpPr>
+        <p:spPr>
+          <a:xfrm>
+            <a:off x="1370659" y="16933"/>
+            <a:ext cx="9440034" cy="1049867"/>
+          </a:xfrm>
+        </p:spPr>
+        <p:txBody>
+          <a:bodyPr>
+            <a:normAutofit/>
+          </a:bodyPr>
+          <a:lstStyle/>
+          <a:p>
+            <a:r>
+              <a:rPr lang="ja-JP" altLang="en-US" b="1" dirty="0">
+                <a:ln w="28575">
+                  <a:solidFill>
+                    <a:srgbClr val="AAB20A"/>
+                  </a:solidFill>
+                </a:ln>
+                <a:solidFill>
+                  <a:schemeClr val="accent2">
+                    <a:lumMod val="50000"/>
+                  </a:schemeClr>
+                </a:solidFill>
+                <a:latin typeface="HGP創英ﾌﾟﾚｾﾞﾝｽEB" panose="02020800000000000000" pitchFamily="18" charset="-128"/>
+                <a:ea typeface="HGP創英ﾌﾟﾚｾﾞﾝｽEB" panose="02020800000000000000" pitchFamily="18" charset="-128"/>
+              </a:rPr>
+              <a:t>制作過程</a:t>
+            </a:r>
+            <a:endParaRPr lang="ja-JP" altLang="en-US" dirty="0"/>
+          </a:p>
+        </p:txBody>
+      </p:sp>
+    </p:spTree>
+    <p:extLst>
+      <p:ext uri="{BB962C8B-B14F-4D97-AF65-F5344CB8AC3E}">
+        <p14:creationId xmlns:p14="http://schemas.microsoft.com/office/powerpoint/2010/main" val="2945741814"/>
+      </p:ext>
+    </p:extLst>
+  </p:cSld>
+  <p:clrMapOvr>
+    <a:masterClrMapping/>
+  </p:clrMapOvr>
+</p:sld>
+</file>
+
+<file path=ppt/slides/slide6.xml><?xml version="1.0" encoding="utf-8"?>
+<p:sld xmlns:a="http://schemas.openxmlformats.org/drawingml/2006/main" xmlns:r="http://schemas.openxmlformats.org/officeDocument/2006/relationships" xmlns:p="http://schemas.openxmlformats.org/presentationml/2006/main">
+  <p:cSld>
+    <p:bg>
+      <p:bgPr>
+        <a:solidFill>
+          <a:srgbClr val="8E0404"/>
+        </a:solidFill>
+        <a:effectLst/>
+      </p:bgPr>
+    </p:bg>
+    <p:spTree>
+      <p:nvGrpSpPr>
+        <p:cNvPr id="1" name=""/>
+        <p:cNvGrpSpPr/>
+        <p:nvPr/>
+      </p:nvGrpSpPr>
+      <p:grpSpPr>
+        <a:xfrm>
+          <a:off x="0" y="0"/>
+          <a:ext cx="0" cy="0"/>
+          <a:chOff x="0" y="0"/>
+          <a:chExt cx="0" cy="0"/>
+        </a:xfrm>
+      </p:grpSpPr>
+      <p:pic>
+        <p:nvPicPr>
+          <p:cNvPr id="3" name="Picture 2" descr="紙が破れたようなイラスト | 無料イラスト素材｜素材ラボ">
+            <a:extLst>
+              <a:ext uri="{FF2B5EF4-FFF2-40B4-BE49-F238E27FC236}">
+                <a16:creationId xmlns:a16="http://schemas.microsoft.com/office/drawing/2014/main" id="{7BC5328D-825F-44E8-B20A-F4D6679D95FF}"/>
+              </a:ext>
+            </a:extLst>
+          </p:cNvPr>
+          <p:cNvPicPr>
+            <a:picLocks noGrp="1" noRot="1" noChangeAspect="1" noMove="1" noResize="1" noEditPoints="1" noAdjustHandles="1" noChangeArrowheads="1" noChangeShapeType="1" noCrop="1"/>
+          </p:cNvPicPr>
+          <p:nvPr/>
+        </p:nvPicPr>
+        <p:blipFill>
+          <a:blip r:embed="rId2">
+            <a:extLst>
+              <a:ext uri="{28A0092B-C50C-407E-A947-70E740481C1C}">
+                <a14:useLocalDpi xmlns:a14="http://schemas.microsoft.com/office/drawing/2010/main" val="0"/>
+              </a:ext>
+            </a:extLst>
+          </a:blip>
+          <a:srcRect/>
+          <a:stretch>
+            <a:fillRect/>
+          </a:stretch>
+        </p:blipFill>
+        <p:spPr bwMode="auto">
+          <a:xfrm>
+            <a:off x="0" y="0"/>
+            <a:ext cx="12192000" cy="6858000"/>
+          </a:xfrm>
+          <a:prstGeom prst="rect">
+            <a:avLst/>
+          </a:prstGeom>
+          <a:noFill/>
+          <a:extLst>
+            <a:ext uri="{909E8E84-426E-40DD-AFC4-6F175D3DCCD1}">
+              <a14:hiddenFill xmlns:a14="http://schemas.microsoft.com/office/drawing/2010/main">
+                <a:solidFill>
+                  <a:srgbClr val="FFFFFF"/>
+                </a:solidFill>
+              </a14:hiddenFill>
+            </a:ext>
+          </a:extLst>
+        </p:spPr>
+      </p:pic>
+      <p:sp>
+        <p:nvSpPr>
+          <p:cNvPr id="2" name="タイトル 1">
+            <a:extLst>
+              <a:ext uri="{FF2B5EF4-FFF2-40B4-BE49-F238E27FC236}">
+                <a16:creationId xmlns:a16="http://schemas.microsoft.com/office/drawing/2014/main" id="{458B1C41-1E24-4ACE-BE53-C523EAAC7EFE}"/>
+              </a:ext>
+            </a:extLst>
+          </p:cNvPr>
+          <p:cNvSpPr>
+            <a:spLocks noGrp="1"/>
+          </p:cNvSpPr>
+          <p:nvPr>
+            <p:ph type="title"/>
+          </p:nvPr>
+        </p:nvSpPr>
+        <p:spPr>
+          <a:xfrm>
+            <a:off x="919119" y="182880"/>
+            <a:ext cx="10353762" cy="970450"/>
+          </a:xfrm>
+        </p:spPr>
+        <p:txBody>
+          <a:bodyPr/>
+          <a:lstStyle/>
+          <a:p>
+            <a:r>
+              <a:rPr kumimoji="1" lang="ja-JP" altLang="en-US" b="1" dirty="0">
+                <a:ln w="28575">
+                  <a:solidFill>
+                    <a:srgbClr val="AAB20A"/>
+                  </a:solidFill>
+                </a:ln>
+                <a:solidFill>
+                  <a:schemeClr val="accent2">
+                    <a:lumMod val="50000"/>
+                  </a:schemeClr>
+                </a:solidFill>
+                <a:latin typeface="HGP創英ﾌﾟﾚｾﾞﾝｽEB" panose="02020800000000000000" pitchFamily="18" charset="-128"/>
+                <a:ea typeface="HGP創英ﾌﾟﾚｾﾞﾝｽEB" panose="02020800000000000000" pitchFamily="18" charset="-128"/>
+              </a:rPr>
+              <a:t>最新版のステージ</a:t>
+            </a:r>
+            <a:endParaRPr kumimoji="1" lang="ja-JP" altLang="en-US" dirty="0"/>
+          </a:p>
+        </p:txBody>
+      </p:sp>
+    </p:spTree>
+    <p:extLst>
+      <p:ext uri="{BB962C8B-B14F-4D97-AF65-F5344CB8AC3E}">
+        <p14:creationId xmlns:p14="http://schemas.microsoft.com/office/powerpoint/2010/main" val="2236646053"/>
+      </p:ext>
+    </p:extLst>
+  </p:cSld>
+  <p:clrMapOvr>
+    <a:masterClrMapping/>
+  </p:clrMapOvr>
+</p:sld>
+</file>
+
+<file path=ppt/slides/slide7.xml><?xml version="1.0" encoding="utf-8"?>
+<p:sld xmlns:a="http://schemas.openxmlformats.org/drawingml/2006/main" xmlns:r="http://schemas.openxmlformats.org/officeDocument/2006/relationships" xmlns:p="http://schemas.openxmlformats.org/presentationml/2006/main">
+  <p:cSld>
+    <p:bg>
+      <p:bgPr>
+        <a:solidFill>
+          <a:srgbClr val="8E0404"/>
+        </a:solidFill>
+        <a:effectLst/>
+      </p:bgPr>
+    </p:bg>
+    <p:spTree>
+      <p:nvGrpSpPr>
+        <p:cNvPr id="1" name=""/>
+        <p:cNvGrpSpPr/>
+        <p:nvPr/>
+      </p:nvGrpSpPr>
+      <p:grpSpPr>
+        <a:xfrm>
+          <a:off x="0" y="0"/>
+          <a:ext cx="0" cy="0"/>
+          <a:chOff x="0" y="0"/>
+          <a:chExt cx="0" cy="0"/>
+        </a:xfrm>
+      </p:grpSpPr>
+      <p:pic>
+        <p:nvPicPr>
+          <p:cNvPr id="4" name="Picture 2" descr="紙が破れたようなイラスト | 無料イラスト素材｜素材ラボ">
+            <a:extLst>
+              <a:ext uri="{FF2B5EF4-FFF2-40B4-BE49-F238E27FC236}">
+                <a16:creationId xmlns:a16="http://schemas.microsoft.com/office/drawing/2014/main" id="{BBD34B75-F6AC-487D-91E0-8B4F3357E13D}"/>
+              </a:ext>
+            </a:extLst>
+          </p:cNvPr>
+          <p:cNvPicPr>
+            <a:picLocks noGrp="1" noRot="1" noChangeAspect="1" noMove="1" noResize="1" noEditPoints="1" noAdjustHandles="1" noChangeArrowheads="1" noChangeShapeType="1" noCrop="1"/>
+          </p:cNvPicPr>
+          <p:nvPr/>
+        </p:nvPicPr>
+        <p:blipFill>
+          <a:blip r:embed="rId2">
+            <a:extLst>
+              <a:ext uri="{28A0092B-C50C-407E-A947-70E740481C1C}">
+                <a14:useLocalDpi xmlns:a14="http://schemas.microsoft.com/office/drawing/2010/main" val="0"/>
+              </a:ext>
+            </a:extLst>
+          </a:blip>
+          <a:srcRect/>
+          <a:stretch>
+            <a:fillRect/>
+          </a:stretch>
+        </p:blipFill>
+        <p:spPr bwMode="auto">
+          <a:xfrm>
+            <a:off x="0" y="0"/>
+            <a:ext cx="12192000" cy="6858000"/>
+          </a:xfrm>
+          <a:prstGeom prst="rect">
+            <a:avLst/>
+          </a:prstGeom>
+          <a:noFill/>
+          <a:extLst>
+            <a:ext uri="{909E8E84-426E-40DD-AFC4-6F175D3DCCD1}">
+              <a14:hiddenFill xmlns:a14="http://schemas.microsoft.com/office/drawing/2010/main">
+                <a:solidFill>
+                  <a:srgbClr val="FFFFFF"/>
+                </a:solidFill>
+              </a14:hiddenFill>
+            </a:ext>
+          </a:extLst>
+        </p:spPr>
+      </p:pic>
+      <p:sp>
+        <p:nvSpPr>
+          <p:cNvPr id="2" name="タイトル 1">
+            <a:extLst>
+              <a:ext uri="{FF2B5EF4-FFF2-40B4-BE49-F238E27FC236}">
+                <a16:creationId xmlns:a16="http://schemas.microsoft.com/office/drawing/2014/main" id="{A705DEF6-2C8C-43CE-B44E-E702406DC7AC}"/>
+              </a:ext>
+            </a:extLst>
+          </p:cNvPr>
+          <p:cNvSpPr>
+            <a:spLocks noGrp="1"/>
+          </p:cNvSpPr>
+          <p:nvPr>
+            <p:ph type="ctrTitle"/>
+          </p:nvPr>
+        </p:nvSpPr>
+        <p:spPr>
+          <a:xfrm>
+            <a:off x="1370693" y="274320"/>
+            <a:ext cx="9440034" cy="809421"/>
+          </a:xfrm>
+        </p:spPr>
+        <p:txBody>
+          <a:bodyPr>
+            <a:normAutofit fontScale="90000"/>
+          </a:bodyPr>
+          <a:lstStyle/>
+          <a:p>
+            <a:r>
+              <a:rPr kumimoji="1" lang="ja-JP" altLang="en-US" b="1" dirty="0">
+                <a:ln w="28575">
+                  <a:solidFill>
+                    <a:srgbClr val="AAB20A"/>
+                  </a:solidFill>
+                </a:ln>
+                <a:solidFill>
+                  <a:schemeClr val="accent2">
+                    <a:lumMod val="50000"/>
+                  </a:schemeClr>
+                </a:solidFill>
+                <a:latin typeface="HGP創英ﾌﾟﾚｾﾞﾝｽEB" panose="02020800000000000000" pitchFamily="18" charset="-128"/>
+                <a:ea typeface="HGP創英ﾌﾟﾚｾﾞﾝｽEB" panose="02020800000000000000" pitchFamily="18" charset="-128"/>
+              </a:rPr>
+              <a:t>今後の予定</a:t>
+            </a:r>
+            <a:endParaRPr kumimoji="1" lang="ja-JP" altLang="en-US" dirty="0"/>
+          </a:p>
+        </p:txBody>
+      </p:sp>
+      <p:sp>
+        <p:nvSpPr>
+          <p:cNvPr id="3" name="字幕 2">
+            <a:extLst>
+              <a:ext uri="{FF2B5EF4-FFF2-40B4-BE49-F238E27FC236}">
+                <a16:creationId xmlns:a16="http://schemas.microsoft.com/office/drawing/2014/main" id="{F9D1823F-2CC7-49FB-A06C-4FEC82E70363}"/>
+              </a:ext>
+            </a:extLst>
+          </p:cNvPr>
+          <p:cNvSpPr>
+            <a:spLocks noGrp="1"/>
+          </p:cNvSpPr>
+          <p:nvPr>
+            <p:ph type="subTitle" idx="1"/>
+          </p:nvPr>
+        </p:nvSpPr>
+        <p:spPr>
+          <a:xfrm>
+            <a:off x="1370693" y="2072641"/>
+            <a:ext cx="9440034" cy="2575566"/>
+          </a:xfrm>
+        </p:spPr>
+        <p:txBody>
+          <a:bodyPr/>
+          <a:lstStyle/>
+          <a:p>
+            <a:r>
+              <a:rPr kumimoji="1" lang="ja-JP" altLang="en-US" dirty="0"/>
+              <a:t>複数のステージを制作し移動できるようにしたい</a:t>
+            </a:r>
+            <a:endParaRPr kumimoji="1" lang="en-US" altLang="ja-JP" dirty="0"/>
+          </a:p>
+          <a:p>
+            <a:endParaRPr kumimoji="1" lang="ja-JP" altLang="en-US" dirty="0"/>
+          </a:p>
+        </p:txBody>
+      </p:sp>
+    </p:spTree>
+    <p:extLst>
+      <p:ext uri="{BB962C8B-B14F-4D97-AF65-F5344CB8AC3E}">
+        <p14:creationId xmlns:p14="http://schemas.microsoft.com/office/powerpoint/2010/main" val="2567820564"/>
+      </p:ext>
+    </p:extLst>
+  </p:cSld>
+  <p:clrMapOvr>
+    <a:masterClrMapping/>
+  </p:clrMapOvr>
+</p:sld>
+</file>
+
 <file path=ppt/theme/theme1.xml><?xml version="1.0" encoding="utf-8"?>
 <a:theme xmlns:a="http://schemas.openxmlformats.org/drawingml/2006/main" name="石版">
   <a:themeElements>
